--- a/folien/week8.pptx
+++ b/folien/week8.pptx
@@ -225,7 +225,7 @@
           <a:p>
             <a:fld id="{21C000D9-2858-4F4C-AF5C-64F79A7C2410}" type="datetimeFigureOut">
               <a:rPr lang="en-US" smtClean="0"/>
-              <a:t>11/30/2021</a:t>
+              <a:t>5/23/2022</a:t>
             </a:fld>
             <a:endParaRPr lang="en-US"/>
           </a:p>
@@ -3334,7 +3334,7 @@
                 <a:latin typeface="Arial" panose="020B0604020202020204" pitchFamily="34" charset="0"/>
                 <a:cs typeface="Arial" panose="020B0604020202020204" pitchFamily="34" charset="0"/>
               </a:rPr>
-              <a:t>30.11.21</a:t>
+              <a:t>24.5.22</a:t>
             </a:r>
           </a:p>
         </p:txBody>
@@ -4122,200 +4122,6 @@
         <p:txBody>
           <a:bodyPr/>
           <a:lstStyle/>
-          <a:p>
-            <a:pPr marL="342900" marR="0" lvl="0" indent="-342900" algn="l" defTabSz="914400" rtl="0" eaLnBrk="1" fontAlgn="auto" latinLnBrk="0" hangingPunct="1">
-              <a:lnSpc>
-                <a:spcPct val="100000"/>
-              </a:lnSpc>
-              <a:spcBef>
-                <a:spcPct val="20000"/>
-              </a:spcBef>
-              <a:spcAft>
-                <a:spcPts val="0"/>
-              </a:spcAft>
-              <a:buClr>
-                <a:srgbClr val="84B818"/>
-              </a:buClr>
-              <a:buSzTx/>
-              <a:buFont typeface="Arial" panose="020B0604020202020204" pitchFamily="34" charset="0"/>
-              <a:buChar char="•"/>
-              <a:tabLst/>
-              <a:defRPr/>
-            </a:pPr>
-            <a:r>
-              <a:rPr kumimoji="0" lang="de-DE" sz="1400" b="0" i="0" u="none" strike="noStrike" kern="1200" cap="none" spc="0" normalizeH="0" baseline="0" noProof="0" dirty="0">
-                <a:ln>
-                  <a:noFill/>
-                </a:ln>
-                <a:solidFill>
-                  <a:srgbClr val="565656"/>
-                </a:solidFill>
-                <a:effectLst/>
-                <a:uLnTx/>
-                <a:uFillTx/>
-                <a:latin typeface="Arial" panose="020B0604020202020204" pitchFamily="34" charset="0"/>
-                <a:ea typeface="+mn-ea"/>
-                <a:cs typeface="Arial" panose="020B0604020202020204" pitchFamily="34" charset="0"/>
-              </a:rPr>
-              <a:t>Nachbereitung / Aufgabe</a:t>
-            </a:r>
-          </a:p>
-          <a:p>
-            <a:pPr lvl="1" indent="-342900">
-              <a:buClr>
-                <a:srgbClr val="84B818"/>
-              </a:buClr>
-              <a:buFont typeface="+mj-lt"/>
-              <a:buAutoNum type="arabicPeriod"/>
-              <a:defRPr/>
-            </a:pPr>
-            <a:r>
-              <a:rPr kumimoji="0" lang="de-DE" sz="1800" b="0" i="0" u="none" strike="noStrike" kern="1200" cap="none" spc="0" normalizeH="0" baseline="0" noProof="0" dirty="0">
-                <a:ln>
-                  <a:noFill/>
-                </a:ln>
-                <a:solidFill>
-                  <a:srgbClr val="565656"/>
-                </a:solidFill>
-                <a:effectLst/>
-                <a:uLnTx/>
-                <a:uFillTx/>
-                <a:latin typeface="Arial" panose="020B0604020202020204" pitchFamily="34" charset="0"/>
-                <a:ea typeface="+mn-ea"/>
-                <a:cs typeface="Arial" panose="020B0604020202020204" pitchFamily="34" charset="0"/>
-              </a:rPr>
-              <a:t>Schreiben sie einen (kurzen) Beitrag im Diskussionsforum der sich mit dem Text für diese Woche beschäftigt. Der Beitrag kann </a:t>
-            </a:r>
-            <a:r>
-              <a:rPr kumimoji="0" lang="de-DE" sz="1800" b="0" i="0" u="none" strike="noStrike" kern="1200" cap="none" spc="0" normalizeH="0" baseline="0" noProof="0" dirty="0" err="1">
-                <a:ln>
-                  <a:noFill/>
-                </a:ln>
-                <a:solidFill>
-                  <a:srgbClr val="565656"/>
-                </a:solidFill>
-                <a:effectLst/>
-                <a:uLnTx/>
-                <a:uFillTx/>
-                <a:latin typeface="Arial" panose="020B0604020202020204" pitchFamily="34" charset="0"/>
-                <a:ea typeface="+mn-ea"/>
-                <a:cs typeface="Arial" panose="020B0604020202020204" pitchFamily="34" charset="0"/>
-              </a:rPr>
-              <a:t>z.B</a:t>
-            </a:r>
-            <a:r>
-              <a:rPr lang="de-DE" sz="1800" dirty="0">
-                <a:solidFill>
-                  <a:srgbClr val="565656"/>
-                </a:solidFill>
-                <a:latin typeface="Arial" panose="020B0604020202020204" pitchFamily="34" charset="0"/>
-                <a:cs typeface="Arial" panose="020B0604020202020204" pitchFamily="34" charset="0"/>
-              </a:rPr>
-              <a:t>. </a:t>
-            </a:r>
-            <a:r>
-              <a:rPr kumimoji="0" lang="de-DE" sz="1800" b="0" i="0" u="none" strike="noStrike" kern="1200" cap="none" spc="0" normalizeH="0" baseline="0" noProof="0" dirty="0">
-                <a:ln>
-                  <a:noFill/>
-                </a:ln>
-                <a:solidFill>
-                  <a:srgbClr val="565656"/>
-                </a:solidFill>
-                <a:effectLst/>
-                <a:uLnTx/>
-                <a:uFillTx/>
-                <a:latin typeface="Arial" panose="020B0604020202020204" pitchFamily="34" charset="0"/>
-                <a:ea typeface="+mn-ea"/>
-                <a:cs typeface="Arial" panose="020B0604020202020204" pitchFamily="34" charset="0"/>
-              </a:rPr>
-              <a:t>eine Gedanken, eine Frage, eine Kritik oder Anregung sein. (Bis Montagabend)</a:t>
-            </a:r>
-          </a:p>
-          <a:p>
-            <a:pPr lvl="1" indent="-342900">
-              <a:buClr>
-                <a:srgbClr val="84B818"/>
-              </a:buClr>
-              <a:buFont typeface="+mj-lt"/>
-              <a:buAutoNum type="arabicPeriod"/>
-              <a:defRPr/>
-            </a:pPr>
-            <a:r>
-              <a:rPr lang="de-DE" sz="1800" dirty="0">
-                <a:solidFill>
-                  <a:srgbClr val="565656"/>
-                </a:solidFill>
-                <a:latin typeface="Arial" panose="020B0604020202020204" pitchFamily="34" charset="0"/>
-                <a:cs typeface="Arial" panose="020B0604020202020204" pitchFamily="34" charset="0"/>
-              </a:rPr>
-              <a:t>Schreiben sie </a:t>
-            </a:r>
-            <a:r>
-              <a:rPr kumimoji="0" lang="de-DE" sz="1800" b="0" i="0" u="none" strike="noStrike" kern="1200" cap="none" spc="0" normalizeH="0" baseline="0" noProof="0" dirty="0">
-                <a:ln>
-                  <a:noFill/>
-                </a:ln>
-                <a:solidFill>
-                  <a:srgbClr val="565656"/>
-                </a:solidFill>
-                <a:effectLst/>
-                <a:uLnTx/>
-                <a:uFillTx/>
-                <a:latin typeface="Arial" panose="020B0604020202020204" pitchFamily="34" charset="0"/>
-                <a:ea typeface="+mn-ea"/>
-                <a:cs typeface="Arial" panose="020B0604020202020204" pitchFamily="34" charset="0"/>
-              </a:rPr>
-              <a:t>einen Kommentar zu mindestens einem Beitrag Ihrer </a:t>
-            </a:r>
-            <a:r>
-              <a:rPr kumimoji="0" lang="de-DE" sz="1800" b="0" i="0" u="none" strike="noStrike" kern="1200" cap="none" spc="0" normalizeH="0" baseline="0" noProof="0" dirty="0" err="1">
-                <a:ln>
-                  <a:noFill/>
-                </a:ln>
-                <a:solidFill>
-                  <a:srgbClr val="565656"/>
-                </a:solidFill>
-                <a:effectLst/>
-                <a:uLnTx/>
-                <a:uFillTx/>
-                <a:latin typeface="Arial" panose="020B0604020202020204" pitchFamily="34" charset="0"/>
-                <a:ea typeface="+mn-ea"/>
-                <a:cs typeface="Arial" panose="020B0604020202020204" pitchFamily="34" charset="0"/>
-              </a:rPr>
-              <a:t>Kommiliton</a:t>
-            </a:r>
-            <a:r>
-              <a:rPr kumimoji="0" lang="de-DE" sz="1800" b="0" i="0" u="none" strike="noStrike" kern="1200" cap="none" spc="0" normalizeH="0" baseline="0" noProof="0" dirty="0">
-                <a:ln>
-                  <a:noFill/>
-                </a:ln>
-                <a:solidFill>
-                  <a:srgbClr val="565656"/>
-                </a:solidFill>
-                <a:effectLst/>
-                <a:uLnTx/>
-                <a:uFillTx/>
-                <a:latin typeface="Arial" panose="020B0604020202020204" pitchFamily="34" charset="0"/>
-                <a:ea typeface="+mn-ea"/>
-                <a:cs typeface="Arial" panose="020B0604020202020204" pitchFamily="34" charset="0"/>
-              </a:rPr>
-              <a:t>*innen. Sie können den Kommentar entweder direkt mit der Antwortfunktion in das Forum schreiben, dann können ihn alle lesen, oder Sie schreiben eine private Nachricht. (Bis Dienstagabend)</a:t>
-            </a:r>
-            <a:endParaRPr kumimoji="0" lang="de-DE" sz="1400" b="0" i="0" u="none" strike="noStrike" kern="1200" cap="none" spc="0" normalizeH="0" baseline="0" noProof="0" dirty="0">
-              <a:ln>
-                <a:noFill/>
-              </a:ln>
-              <a:solidFill>
-                <a:srgbClr val="565656"/>
-              </a:solidFill>
-              <a:effectLst/>
-              <a:uLnTx/>
-              <a:uFillTx/>
-              <a:latin typeface="Arial" panose="020B0604020202020204" pitchFamily="34" charset="0"/>
-              <a:ea typeface="+mn-ea"/>
-              <a:cs typeface="Arial" panose="020B0604020202020204" pitchFamily="34" charset="0"/>
-            </a:endParaRPr>
-          </a:p>
           <a:p>
             <a:pPr marL="342900" marR="0" lvl="0" indent="-342900" algn="l" defTabSz="914400" rtl="0" eaLnBrk="1" fontAlgn="auto" latinLnBrk="0" hangingPunct="1">
               <a:lnSpc>

--- a/folien/week8.pptx
+++ b/folien/week8.pptx
@@ -225,7 +225,7 @@
           <a:p>
             <a:fld id="{21C000D9-2858-4F4C-AF5C-64F79A7C2410}" type="datetimeFigureOut">
               <a:rPr lang="en-US" smtClean="0"/>
-              <a:t>11/30/2021</a:t>
+              <a:t>5/24/2022</a:t>
             </a:fld>
             <a:endParaRPr lang="en-US"/>
           </a:p>
@@ -383,7 +383,7 @@
           <a:p>
             <a:fld id="{C347FAF7-5C4E-4642-B377-C3A2CDCC9DA1}" type="slidenum">
               <a:rPr lang="en-US" smtClean="0"/>
-              <a:t>‹#›</a:t>
+              <a:t>‹Nr.›</a:t>
             </a:fld>
             <a:endParaRPr lang="en-US"/>
           </a:p>
@@ -936,7 +936,7 @@
             <a:fld id="{63CECEBB-547B-4598-95D8-3FB4D608B5D5}" type="slidenum">
               <a:rPr lang="de-DE" smtClean="0"/>
               <a:pPr/>
-              <a:t>‹#›</a:t>
+              <a:t>‹Nr.›</a:t>
             </a:fld>
             <a:endParaRPr lang="de-DE" dirty="0"/>
           </a:p>
@@ -1204,7 +1204,7 @@
             <a:fld id="{63CECEBB-547B-4598-95D8-3FB4D608B5D5}" type="slidenum">
               <a:rPr lang="de-DE" smtClean="0"/>
               <a:pPr/>
-              <a:t>‹#›</a:t>
+              <a:t>‹Nr.›</a:t>
             </a:fld>
             <a:endParaRPr lang="de-DE" dirty="0"/>
           </a:p>
@@ -1462,7 +1462,7 @@
             <a:fld id="{63CECEBB-547B-4598-95D8-3FB4D608B5D5}" type="slidenum">
               <a:rPr lang="de-DE" smtClean="0"/>
               <a:pPr/>
-              <a:t>‹#›</a:t>
+              <a:t>‹Nr.›</a:t>
             </a:fld>
             <a:endParaRPr lang="de-DE" dirty="0"/>
           </a:p>
@@ -1721,7 +1721,7 @@
             <a:fld id="{63CECEBB-547B-4598-95D8-3FB4D608B5D5}" type="slidenum">
               <a:rPr lang="de-DE" smtClean="0"/>
               <a:pPr/>
-              <a:t>‹#›</a:t>
+              <a:t>‹Nr.›</a:t>
             </a:fld>
             <a:endParaRPr lang="de-DE" dirty="0"/>
           </a:p>
@@ -1977,7 +1977,7 @@
             <a:fld id="{63CECEBB-547B-4598-95D8-3FB4D608B5D5}" type="slidenum">
               <a:rPr lang="de-DE" smtClean="0"/>
               <a:pPr/>
-              <a:t>‹#›</a:t>
+              <a:t>‹Nr.›</a:t>
             </a:fld>
             <a:endParaRPr lang="de-DE" dirty="0"/>
           </a:p>
@@ -2159,7 +2159,7 @@
             <a:fld id="{63CECEBB-547B-4598-95D8-3FB4D608B5D5}" type="slidenum">
               <a:rPr lang="de-DE" smtClean="0"/>
               <a:pPr/>
-              <a:t>‹#›</a:t>
+              <a:t>‹Nr.›</a:t>
             </a:fld>
             <a:endParaRPr lang="de-DE" dirty="0"/>
           </a:p>
@@ -3717,7 +3717,55 @@
                 <a:latin typeface="Arial" panose="020B0604020202020204" pitchFamily="34" charset="0"/>
                 <a:cs typeface="Arial" panose="020B0604020202020204" pitchFamily="34" charset="0"/>
               </a:rPr>
-              <a:t>Locke: Gewöhnung und Aufmerksamkeit: „spielerisches“ Lernen (~1750), Reformpädagogik (~1900) </a:t>
+              <a:t>Locke: Gewöhnung und Aufmerksamkeit: „spielerisches“ Lernen (~1750), Reformpädagogik </a:t>
+            </a:r>
+            <a:r>
+              <a:rPr kumimoji="0" lang="de-DE" sz="1200" b="0" i="0" u="none" strike="noStrike" kern="1200" cap="none" spc="0" normalizeH="0" baseline="0" noProof="0">
+                <a:ln>
+                  <a:noFill/>
+                </a:ln>
+                <a:solidFill>
+                  <a:srgbClr val="565656"/>
+                </a:solidFill>
+                <a:effectLst/>
+                <a:uLnTx/>
+                <a:uFillTx/>
+                <a:latin typeface="Arial" panose="020B0604020202020204" pitchFamily="34" charset="0"/>
+                <a:cs typeface="Arial" panose="020B0604020202020204" pitchFamily="34" charset="0"/>
+              </a:rPr>
+              <a:t>(~</a:t>
+            </a:r>
+            <a:r>
+              <a:rPr kumimoji="0" lang="de-DE" sz="1200" b="0" i="0" u="none" strike="noStrike" kern="1200" cap="none" spc="0" normalizeH="0" baseline="0" noProof="0" smtClean="0">
+                <a:ln>
+                  <a:noFill/>
+                </a:ln>
+                <a:solidFill>
+                  <a:srgbClr val="565656"/>
+                </a:solidFill>
+                <a:effectLst/>
+                <a:uLnTx/>
+                <a:uFillTx/>
+                <a:latin typeface="Arial" panose="020B0604020202020204" pitchFamily="34" charset="0"/>
+                <a:cs typeface="Arial" panose="020B0604020202020204" pitchFamily="34" charset="0"/>
+              </a:rPr>
+              <a:t>1950</a:t>
+            </a:r>
+            <a:r>
+              <a:rPr kumimoji="0" lang="de-DE" sz="1200" b="0" i="0" u="none" strike="noStrike" kern="1200" cap="none" spc="0" normalizeH="0" baseline="0" noProof="0" dirty="0">
+                <a:ln>
+                  <a:noFill/>
+                </a:ln>
+                <a:solidFill>
+                  <a:srgbClr val="565656"/>
+                </a:solidFill>
+                <a:effectLst/>
+                <a:uLnTx/>
+                <a:uFillTx/>
+                <a:latin typeface="Arial" panose="020B0604020202020204" pitchFamily="34" charset="0"/>
+                <a:cs typeface="Arial" panose="020B0604020202020204" pitchFamily="34" charset="0"/>
+              </a:rPr>
+              <a:t>) </a:t>
             </a:r>
           </a:p>
           <a:p>
@@ -4095,6 +4143,10 @@
               <a:rPr lang="de-DE" sz="2400" dirty="0"/>
               <a:t> Woche: Interkulturelles lernen</a:t>
             </a:r>
+            <a:r>
+              <a:rPr lang="en-US" sz="2400" dirty="0"/>
+              <a:t/>
+            </a:r>
             <a:br>
               <a:rPr lang="en-US" sz="2400" dirty="0"/>
             </a:br>
@@ -4143,6 +4195,23 @@
               <a:defRPr/>
             </a:pPr>
             <a:r>
+              <a:rPr kumimoji="0" lang="de-DE" sz="1400" b="0" i="0" u="none" strike="noStrike" kern="1200" cap="none" spc="0" normalizeH="0" baseline="0" noProof="0" dirty="0" smtClean="0">
+                <a:ln>
+                  <a:noFill/>
+                </a:ln>
+                <a:solidFill>
+                  <a:srgbClr val="565656"/>
+                </a:solidFill>
+                <a:effectLst/>
+                <a:uLnTx/>
+                <a:uFillTx/>
+                <a:latin typeface="Arial" panose="020B0604020202020204" pitchFamily="34" charset="0"/>
+                <a:ea typeface="+mn-ea"/>
+                <a:cs typeface="Arial" panose="020B0604020202020204" pitchFamily="34" charset="0"/>
+              </a:rPr>
+              <a:t>Vorbereitung </a:t>
+            </a:r>
+            <a:r>
               <a:rPr kumimoji="0" lang="de-DE" sz="1400" b="0" i="0" u="none" strike="noStrike" kern="1200" cap="none" spc="0" normalizeH="0" baseline="0" noProof="0" dirty="0">
                 <a:ln>
                   <a:noFill/>
@@ -4157,236 +4226,7 @@
                 <a:ea typeface="+mn-ea"/>
                 <a:cs typeface="Arial" panose="020B0604020202020204" pitchFamily="34" charset="0"/>
               </a:rPr>
-              <a:t>Nachbereitung / Aufgabe</a:t>
-            </a:r>
-          </a:p>
-          <a:p>
-            <a:pPr lvl="1" indent="-342900">
-              <a:buClr>
-                <a:srgbClr val="84B818"/>
-              </a:buClr>
-              <a:buFont typeface="+mj-lt"/>
-              <a:buAutoNum type="arabicPeriod"/>
-              <a:defRPr/>
-            </a:pPr>
-            <a:r>
-              <a:rPr kumimoji="0" lang="de-DE" sz="1800" b="0" i="0" u="none" strike="noStrike" kern="1200" cap="none" spc="0" normalizeH="0" baseline="0" noProof="0" dirty="0">
-                <a:ln>
-                  <a:noFill/>
-                </a:ln>
-                <a:solidFill>
-                  <a:srgbClr val="565656"/>
-                </a:solidFill>
-                <a:effectLst/>
-                <a:uLnTx/>
-                <a:uFillTx/>
-                <a:latin typeface="Arial" panose="020B0604020202020204" pitchFamily="34" charset="0"/>
-                <a:ea typeface="+mn-ea"/>
-                <a:cs typeface="Arial" panose="020B0604020202020204" pitchFamily="34" charset="0"/>
-              </a:rPr>
-              <a:t>Schreiben sie einen (kurzen) Beitrag im Diskussionsforum der sich mit dem Text für diese Woche beschäftigt. Der Beitrag kann </a:t>
-            </a:r>
-            <a:r>
-              <a:rPr kumimoji="0" lang="de-DE" sz="1800" b="0" i="0" u="none" strike="noStrike" kern="1200" cap="none" spc="0" normalizeH="0" baseline="0" noProof="0" dirty="0" err="1">
-                <a:ln>
-                  <a:noFill/>
-                </a:ln>
-                <a:solidFill>
-                  <a:srgbClr val="565656"/>
-                </a:solidFill>
-                <a:effectLst/>
-                <a:uLnTx/>
-                <a:uFillTx/>
-                <a:latin typeface="Arial" panose="020B0604020202020204" pitchFamily="34" charset="0"/>
-                <a:ea typeface="+mn-ea"/>
-                <a:cs typeface="Arial" panose="020B0604020202020204" pitchFamily="34" charset="0"/>
-              </a:rPr>
-              <a:t>z.B</a:t>
-            </a:r>
-            <a:r>
-              <a:rPr lang="de-DE" sz="1800" dirty="0">
-                <a:solidFill>
-                  <a:srgbClr val="565656"/>
-                </a:solidFill>
-                <a:latin typeface="Arial" panose="020B0604020202020204" pitchFamily="34" charset="0"/>
-                <a:cs typeface="Arial" panose="020B0604020202020204" pitchFamily="34" charset="0"/>
-              </a:rPr>
-              <a:t>. </a:t>
-            </a:r>
-            <a:r>
-              <a:rPr kumimoji="0" lang="de-DE" sz="1800" b="0" i="0" u="none" strike="noStrike" kern="1200" cap="none" spc="0" normalizeH="0" baseline="0" noProof="0" dirty="0">
-                <a:ln>
-                  <a:noFill/>
-                </a:ln>
-                <a:solidFill>
-                  <a:srgbClr val="565656"/>
-                </a:solidFill>
-                <a:effectLst/>
-                <a:uLnTx/>
-                <a:uFillTx/>
-                <a:latin typeface="Arial" panose="020B0604020202020204" pitchFamily="34" charset="0"/>
-                <a:ea typeface="+mn-ea"/>
-                <a:cs typeface="Arial" panose="020B0604020202020204" pitchFamily="34" charset="0"/>
-              </a:rPr>
-              <a:t>eine Gedanken, eine Frage, eine Kritik oder Anregung sein. (Bis Montagabend)</a:t>
-            </a:r>
-          </a:p>
-          <a:p>
-            <a:pPr lvl="1" indent="-342900">
-              <a:buClr>
-                <a:srgbClr val="84B818"/>
-              </a:buClr>
-              <a:buFont typeface="+mj-lt"/>
-              <a:buAutoNum type="arabicPeriod"/>
-              <a:defRPr/>
-            </a:pPr>
-            <a:r>
-              <a:rPr lang="de-DE" sz="1800" dirty="0">
-                <a:solidFill>
-                  <a:srgbClr val="565656"/>
-                </a:solidFill>
-                <a:latin typeface="Arial" panose="020B0604020202020204" pitchFamily="34" charset="0"/>
-                <a:cs typeface="Arial" panose="020B0604020202020204" pitchFamily="34" charset="0"/>
-              </a:rPr>
-              <a:t>Schreiben sie </a:t>
-            </a:r>
-            <a:r>
-              <a:rPr kumimoji="0" lang="de-DE" sz="1800" b="0" i="0" u="none" strike="noStrike" kern="1200" cap="none" spc="0" normalizeH="0" baseline="0" noProof="0" dirty="0">
-                <a:ln>
-                  <a:noFill/>
-                </a:ln>
-                <a:solidFill>
-                  <a:srgbClr val="565656"/>
-                </a:solidFill>
-                <a:effectLst/>
-                <a:uLnTx/>
-                <a:uFillTx/>
-                <a:latin typeface="Arial" panose="020B0604020202020204" pitchFamily="34" charset="0"/>
-                <a:ea typeface="+mn-ea"/>
-                <a:cs typeface="Arial" panose="020B0604020202020204" pitchFamily="34" charset="0"/>
-              </a:rPr>
-              <a:t>einen Kommentar zu mindestens einem Beitrag Ihrer </a:t>
-            </a:r>
-            <a:r>
-              <a:rPr kumimoji="0" lang="de-DE" sz="1800" b="0" i="0" u="none" strike="noStrike" kern="1200" cap="none" spc="0" normalizeH="0" baseline="0" noProof="0" dirty="0" err="1">
-                <a:ln>
-                  <a:noFill/>
-                </a:ln>
-                <a:solidFill>
-                  <a:srgbClr val="565656"/>
-                </a:solidFill>
-                <a:effectLst/>
-                <a:uLnTx/>
-                <a:uFillTx/>
-                <a:latin typeface="Arial" panose="020B0604020202020204" pitchFamily="34" charset="0"/>
-                <a:ea typeface="+mn-ea"/>
-                <a:cs typeface="Arial" panose="020B0604020202020204" pitchFamily="34" charset="0"/>
-              </a:rPr>
-              <a:t>Kommiliton</a:t>
-            </a:r>
-            <a:r>
-              <a:rPr kumimoji="0" lang="de-DE" sz="1800" b="0" i="0" u="none" strike="noStrike" kern="1200" cap="none" spc="0" normalizeH="0" baseline="0" noProof="0" dirty="0">
-                <a:ln>
-                  <a:noFill/>
-                </a:ln>
-                <a:solidFill>
-                  <a:srgbClr val="565656"/>
-                </a:solidFill>
-                <a:effectLst/>
-                <a:uLnTx/>
-                <a:uFillTx/>
-                <a:latin typeface="Arial" panose="020B0604020202020204" pitchFamily="34" charset="0"/>
-                <a:ea typeface="+mn-ea"/>
-                <a:cs typeface="Arial" panose="020B0604020202020204" pitchFamily="34" charset="0"/>
-              </a:rPr>
-              <a:t>*innen. Sie können den Kommentar entweder direkt mit der Antwortfunktion in das Forum schreiben, dann können ihn alle lesen, oder Sie schreiben eine private Nachricht. (Bis Dienstagabend)</a:t>
-            </a:r>
-            <a:endParaRPr kumimoji="0" lang="de-DE" sz="1400" b="0" i="0" u="none" strike="noStrike" kern="1200" cap="none" spc="0" normalizeH="0" baseline="0" noProof="0" dirty="0">
-              <a:ln>
-                <a:noFill/>
-              </a:ln>
-              <a:solidFill>
-                <a:srgbClr val="565656"/>
-              </a:solidFill>
-              <a:effectLst/>
-              <a:uLnTx/>
-              <a:uFillTx/>
-              <a:latin typeface="Arial" panose="020B0604020202020204" pitchFamily="34" charset="0"/>
-              <a:ea typeface="+mn-ea"/>
-              <a:cs typeface="Arial" panose="020B0604020202020204" pitchFamily="34" charset="0"/>
-            </a:endParaRPr>
-          </a:p>
-          <a:p>
-            <a:pPr marL="342900" marR="0" lvl="0" indent="-342900" algn="l" defTabSz="914400" rtl="0" eaLnBrk="1" fontAlgn="auto" latinLnBrk="0" hangingPunct="1">
-              <a:lnSpc>
-                <a:spcPct val="100000"/>
-              </a:lnSpc>
-              <a:spcBef>
-                <a:spcPct val="20000"/>
-              </a:spcBef>
-              <a:spcAft>
-                <a:spcPts val="0"/>
-              </a:spcAft>
-              <a:buClr>
-                <a:srgbClr val="84B818"/>
-              </a:buClr>
-              <a:buSzTx/>
-              <a:buFont typeface="Arial" panose="020B0604020202020204" pitchFamily="34" charset="0"/>
-              <a:buChar char="•"/>
-              <a:tabLst/>
-              <a:defRPr/>
-            </a:pPr>
-            <a:endParaRPr kumimoji="0" lang="de-DE" sz="1400" b="0" i="0" u="none" strike="noStrike" kern="1200" cap="none" spc="0" normalizeH="0" baseline="0" noProof="0" dirty="0">
-              <a:ln>
-                <a:noFill/>
-              </a:ln>
-              <a:solidFill>
-                <a:srgbClr val="565656"/>
-              </a:solidFill>
-              <a:effectLst/>
-              <a:uLnTx/>
-              <a:uFillTx/>
-              <a:latin typeface="Arial" panose="020B0604020202020204" pitchFamily="34" charset="0"/>
-              <a:ea typeface="+mn-ea"/>
-              <a:cs typeface="Arial" panose="020B0604020202020204" pitchFamily="34" charset="0"/>
-            </a:endParaRPr>
-          </a:p>
-          <a:p>
-            <a:pPr marL="342900" marR="0" lvl="0" indent="-342900" algn="l" defTabSz="914400" rtl="0" eaLnBrk="1" fontAlgn="auto" latinLnBrk="0" hangingPunct="1">
-              <a:lnSpc>
-                <a:spcPct val="100000"/>
-              </a:lnSpc>
-              <a:spcBef>
-                <a:spcPct val="20000"/>
-              </a:spcBef>
-              <a:spcAft>
-                <a:spcPts val="0"/>
-              </a:spcAft>
-              <a:buClr>
-                <a:srgbClr val="84B818"/>
-              </a:buClr>
-              <a:buSzTx/>
-              <a:buFont typeface="Arial" panose="020B0604020202020204" pitchFamily="34" charset="0"/>
-              <a:buChar char="•"/>
-              <a:tabLst/>
-              <a:defRPr/>
-            </a:pPr>
-            <a:r>
-              <a:rPr kumimoji="0" lang="de-DE" sz="1400" b="0" i="0" u="none" strike="noStrike" kern="1200" cap="none" spc="0" normalizeH="0" baseline="0" noProof="0" dirty="0">
-                <a:ln>
-                  <a:noFill/>
-                </a:ln>
-                <a:solidFill>
-                  <a:srgbClr val="565656"/>
-                </a:solidFill>
-                <a:effectLst/>
-                <a:uLnTx/>
-                <a:uFillTx/>
-                <a:latin typeface="Arial" panose="020B0604020202020204" pitchFamily="34" charset="0"/>
-                <a:ea typeface="+mn-ea"/>
-                <a:cs typeface="Arial" panose="020B0604020202020204" pitchFamily="34" charset="0"/>
-              </a:rPr>
-              <a:t>Vorbereitung / Lesen:</a:t>
+              <a:t>/ Lesen:</a:t>
             </a:r>
           </a:p>
           <a:p>
